--- a/Dokumentation/Praesentation/mvvm.pptx
+++ b/Dokumentation/Praesentation/mvvm.pptx
@@ -5,12 +5,12 @@
     <p:sldMasterId id="2147483648" r:id="rId1"/>
   </p:sldMasterIdLst>
   <p:notesMasterIdLst>
-    <p:notesMasterId r:id="rId23"/>
+    <p:notesMasterId r:id="rId22"/>
   </p:notesMasterIdLst>
   <p:sldIdLst>
     <p:sldId id="256" r:id="rId2"/>
-    <p:sldId id="286" r:id="rId3"/>
-    <p:sldId id="287" r:id="rId4"/>
+    <p:sldId id="287" r:id="rId3"/>
+    <p:sldId id="286" r:id="rId4"/>
     <p:sldId id="275" r:id="rId5"/>
     <p:sldId id="276" r:id="rId6"/>
     <p:sldId id="257" r:id="rId7"/>
@@ -23,12 +23,11 @@
     <p:sldId id="274" r:id="rId14"/>
     <p:sldId id="279" r:id="rId15"/>
     <p:sldId id="280" r:id="rId16"/>
-    <p:sldId id="283" r:id="rId17"/>
-    <p:sldId id="284" r:id="rId18"/>
-    <p:sldId id="285" r:id="rId19"/>
-    <p:sldId id="281" r:id="rId20"/>
-    <p:sldId id="289" r:id="rId21"/>
-    <p:sldId id="282" r:id="rId22"/>
+    <p:sldId id="284" r:id="rId17"/>
+    <p:sldId id="285" r:id="rId18"/>
+    <p:sldId id="281" r:id="rId19"/>
+    <p:sldId id="289" r:id="rId20"/>
+    <p:sldId id="282" r:id="rId21"/>
   </p:sldIdLst>
   <p:sldSz cx="9144000" cy="6858000" type="screen4x3"/>
   <p:notesSz cx="6858000" cy="9144000"/>
@@ -4032,9 +4031,10 @@
           </a:p>
           <a:p>
             <a:r>
-              <a:rPr lang="de-DE" sz="2400" dirty="0" smtClean="0"/>
-              <a:t>Mittels:</a:t>
-            </a:r>
+              <a:rPr lang="de-DE" sz="2400" smtClean="0"/>
+              <a:t>Mittel:</a:t>
+            </a:r>
+            <a:endParaRPr lang="de-DE" sz="2400" dirty="0" smtClean="0"/>
           </a:p>
           <a:p>
             <a:pPr lvl="2">
@@ -4393,28 +4393,26 @@
       </p:sp>
       <p:pic>
         <p:nvPicPr>
-          <p:cNvPr id="2050" name="Picture 2" descr="C:\Users\ich\Documents\GitHub\Design-Pattern-MVC\ausarbeitung_latex\figure\binding.png"/>
+          <p:cNvPr id="7" name="Grafik 6" descr="binding.png"/>
           <p:cNvPicPr>
-            <a:picLocks noChangeAspect="1" noChangeArrowheads="1"/>
+            <a:picLocks noChangeAspect="1"/>
           </p:cNvPicPr>
           <p:nvPr/>
         </p:nvPicPr>
         <p:blipFill>
           <a:blip r:embed="rId2" cstate="print"/>
-          <a:srcRect/>
           <a:stretch>
             <a:fillRect/>
           </a:stretch>
         </p:blipFill>
-        <p:spPr bwMode="auto">
+        <p:spPr>
           <a:xfrm>
-            <a:off x="3851920" y="1772816"/>
-            <a:ext cx="5560864" cy="4355695"/>
+            <a:off x="3995538" y="1412776"/>
+            <a:ext cx="5148462" cy="4032448"/>
           </a:xfrm>
           <a:prstGeom prst="rect">
             <a:avLst/>
           </a:prstGeom>
-          <a:noFill/>
         </p:spPr>
       </p:pic>
     </p:spTree>
@@ -4864,171 +4862,6 @@
         </p:nvSpPr>
         <p:spPr>
           <a:xfrm>
-            <a:off x="467544" y="2708920"/>
-            <a:ext cx="7272808" cy="2031325"/>
-          </a:xfrm>
-          <a:prstGeom prst="rect">
-            <a:avLst/>
-          </a:prstGeom>
-          <a:noFill/>
-        </p:spPr>
-        <p:txBody>
-          <a:bodyPr wrap="square" rtlCol="0">
-            <a:spAutoFit/>
-          </a:bodyPr>
-          <a:lstStyle/>
-          <a:p>
-            <a:r>
-              <a:rPr lang="de-DE" dirty="0" smtClean="0"/>
-              <a:t>Deklarationssprache zur Erstellung von Benutzeroberflächen in WPF</a:t>
-            </a:r>
-          </a:p>
-          <a:p>
-            <a:endParaRPr lang="de-DE" dirty="0" smtClean="0"/>
-          </a:p>
-          <a:p>
-            <a:r>
-              <a:rPr lang="de-DE" dirty="0" smtClean="0"/>
-              <a:t>XAML hat sich ebenso wie HTML dazu bewährt</a:t>
-            </a:r>
-          </a:p>
-          <a:p>
-            <a:endParaRPr lang="de-DE" dirty="0" smtClean="0"/>
-          </a:p>
-          <a:p>
-            <a:r>
-              <a:rPr lang="de-DE" dirty="0" smtClean="0"/>
-              <a:t>XAML ist von XML abgeleitet</a:t>
-            </a:r>
-          </a:p>
-          <a:p>
-            <a:endParaRPr lang="de-DE" dirty="0" smtClean="0"/>
-          </a:p>
-          <a:p>
-            <a:r>
-              <a:rPr lang="de-DE" dirty="0" smtClean="0"/>
-              <a:t>Oberflächendesigner muss nur XAML können statt Programmierkenntnisse</a:t>
-            </a:r>
-            <a:endParaRPr lang="de-DE" dirty="0"/>
-          </a:p>
-        </p:txBody>
-      </p:sp>
-    </p:spTree>
-    <p:extLst>
-      <p:ext uri="{BB962C8B-B14F-4D97-AF65-F5344CB8AC3E}">
-        <p14:creationId xmlns="" xmlns:p14="http://schemas.microsoft.com/office/powerpoint/2010/main" val="2164761318"/>
-      </p:ext>
-    </p:extLst>
-  </p:cSld>
-  <p:clrMapOvr>
-    <a:masterClrMapping/>
-  </p:clrMapOvr>
-  <p:timing>
-    <p:tnLst>
-      <p:par>
-        <p:cTn id="1" dur="indefinite" restart="never" nodeType="tmRoot"/>
-      </p:par>
-    </p:tnLst>
-  </p:timing>
-</p:sld>
-</file>
-
-<file path=ppt/slides/slide17.xml><?xml version="1.0" encoding="utf-8"?>
-<p:sld xmlns:a="http://schemas.openxmlformats.org/drawingml/2006/main" xmlns:r="http://schemas.openxmlformats.org/officeDocument/2006/relationships" xmlns:p="http://schemas.openxmlformats.org/presentationml/2006/main">
-  <p:cSld>
-    <p:spTree>
-      <p:nvGrpSpPr>
-        <p:cNvPr id="1" name=""/>
-        <p:cNvGrpSpPr/>
-        <p:nvPr/>
-      </p:nvGrpSpPr>
-      <p:grpSpPr>
-        <a:xfrm>
-          <a:off x="0" y="0"/>
-          <a:ext cx="0" cy="0"/>
-          <a:chOff x="0" y="0"/>
-          <a:chExt cx="0" cy="0"/>
-        </a:xfrm>
-      </p:grpSpPr>
-      <p:sp>
-        <p:nvSpPr>
-          <p:cNvPr id="2" name="Titel 1"/>
-          <p:cNvSpPr>
-            <a:spLocks noGrp="1"/>
-          </p:cNvSpPr>
-          <p:nvPr>
-            <p:ph type="title"/>
-          </p:nvPr>
-        </p:nvSpPr>
-        <p:spPr/>
-        <p:txBody>
-          <a:bodyPr/>
-          <a:lstStyle/>
-          <a:p>
-            <a:r>
-              <a:rPr lang="de-DE" dirty="0" smtClean="0"/>
-              <a:t>XAML</a:t>
-            </a:r>
-            <a:endParaRPr lang="de-DE" dirty="0"/>
-          </a:p>
-        </p:txBody>
-      </p:sp>
-      <p:sp>
-        <p:nvSpPr>
-          <p:cNvPr id="4" name="Datumsplatzhalter 3"/>
-          <p:cNvSpPr>
-            <a:spLocks noGrp="1"/>
-          </p:cNvSpPr>
-          <p:nvPr>
-            <p:ph type="dt" sz="half" idx="10"/>
-          </p:nvPr>
-        </p:nvSpPr>
-        <p:spPr/>
-        <p:txBody>
-          <a:bodyPr/>
-          <a:lstStyle/>
-          <a:p>
-            <a:fld id="{93F45587-BEEE-4D54-90A9-A458946DA07D}" type="datetime1">
-              <a:rPr lang="de-DE" smtClean="0"/>
-              <a:pPr/>
-              <a:t>22.05.2013</a:t>
-            </a:fld>
-            <a:endParaRPr lang="de-DE" dirty="0"/>
-          </a:p>
-        </p:txBody>
-      </p:sp>
-      <p:sp>
-        <p:nvSpPr>
-          <p:cNvPr id="5" name="Foliennummernplatzhalter 4"/>
-          <p:cNvSpPr>
-            <a:spLocks noGrp="1"/>
-          </p:cNvSpPr>
-          <p:nvPr>
-            <p:ph type="sldNum" sz="quarter" idx="12"/>
-          </p:nvPr>
-        </p:nvSpPr>
-        <p:spPr/>
-        <p:txBody>
-          <a:bodyPr/>
-          <a:lstStyle/>
-          <a:p>
-            <a:fld id="{6C6AE60A-B69C-4790-82F7-3882EDF23186}" type="slidenum">
-              <a:rPr lang="de-DE" smtClean="0"/>
-              <a:pPr/>
-              <a:t>17</a:t>
-            </a:fld>
-            <a:endParaRPr lang="de-DE" dirty="0"/>
-          </a:p>
-        </p:txBody>
-      </p:sp>
-      <p:sp>
-        <p:nvSpPr>
-          <p:cNvPr id="8" name="Textfeld 7"/>
-          <p:cNvSpPr txBox="1"/>
-          <p:nvPr/>
-        </p:nvSpPr>
-        <p:spPr>
-          <a:xfrm>
             <a:off x="467544" y="1844824"/>
             <a:ext cx="8424936" cy="4154984"/>
           </a:xfrm>
@@ -5492,7 +5325,7 @@
 </p:sld>
 </file>
 
-<file path=ppt/slides/slide18.xml><?xml version="1.0" encoding="utf-8"?>
+<file path=ppt/slides/slide17.xml><?xml version="1.0" encoding="utf-8"?>
 <p:sld xmlns:a="http://schemas.openxmlformats.org/drawingml/2006/main" xmlns:r="http://schemas.openxmlformats.org/officeDocument/2006/relationships" xmlns:p="http://schemas.openxmlformats.org/presentationml/2006/main">
   <p:cSld>
     <p:spTree>
@@ -5574,7 +5407,7 @@
             <a:fld id="{6C6AE60A-B69C-4790-82F7-3882EDF23186}" type="slidenum">
               <a:rPr lang="de-DE" smtClean="0"/>
               <a:pPr/>
-              <a:t>18</a:t>
+              <a:t>17</a:t>
             </a:fld>
             <a:endParaRPr lang="de-DE" dirty="0"/>
           </a:p>
@@ -5621,6 +5454,238 @@
 </p:sld>
 </file>
 
+<file path=ppt/slides/slide18.xml><?xml version="1.0" encoding="utf-8"?>
+<p:sld xmlns:a="http://schemas.openxmlformats.org/drawingml/2006/main" xmlns:r="http://schemas.openxmlformats.org/officeDocument/2006/relationships" xmlns:p="http://schemas.openxmlformats.org/presentationml/2006/main">
+  <p:cSld>
+    <p:spTree>
+      <p:nvGrpSpPr>
+        <p:cNvPr id="1" name=""/>
+        <p:cNvGrpSpPr/>
+        <p:nvPr/>
+      </p:nvGrpSpPr>
+      <p:grpSpPr>
+        <a:xfrm>
+          <a:off x="0" y="0"/>
+          <a:ext cx="0" cy="0"/>
+          <a:chOff x="0" y="0"/>
+          <a:chExt cx="0" cy="0"/>
+        </a:xfrm>
+      </p:grpSpPr>
+      <p:sp>
+        <p:nvSpPr>
+          <p:cNvPr id="2" name="Titel 1"/>
+          <p:cNvSpPr>
+            <a:spLocks noGrp="1"/>
+          </p:cNvSpPr>
+          <p:nvPr>
+            <p:ph type="title"/>
+          </p:nvPr>
+        </p:nvSpPr>
+        <p:spPr/>
+        <p:txBody>
+          <a:bodyPr/>
+          <a:lstStyle/>
+          <a:p>
+            <a:r>
+              <a:rPr lang="de-DE" dirty="0" smtClean="0"/>
+              <a:t>Fazit</a:t>
+            </a:r>
+            <a:endParaRPr lang="de-DE" dirty="0"/>
+          </a:p>
+        </p:txBody>
+      </p:sp>
+      <p:sp>
+        <p:nvSpPr>
+          <p:cNvPr id="4" name="Datumsplatzhalter 3"/>
+          <p:cNvSpPr>
+            <a:spLocks noGrp="1"/>
+          </p:cNvSpPr>
+          <p:nvPr>
+            <p:ph type="dt" sz="half" idx="10"/>
+          </p:nvPr>
+        </p:nvSpPr>
+        <p:spPr/>
+        <p:txBody>
+          <a:bodyPr/>
+          <a:lstStyle/>
+          <a:p>
+            <a:fld id="{93F45587-BEEE-4D54-90A9-A458946DA07D}" type="datetime1">
+              <a:rPr lang="de-DE" smtClean="0"/>
+              <a:pPr/>
+              <a:t>22.05.2013</a:t>
+            </a:fld>
+            <a:endParaRPr lang="de-DE" dirty="0"/>
+          </a:p>
+        </p:txBody>
+      </p:sp>
+      <p:sp>
+        <p:nvSpPr>
+          <p:cNvPr id="5" name="Foliennummernplatzhalter 4"/>
+          <p:cNvSpPr>
+            <a:spLocks noGrp="1"/>
+          </p:cNvSpPr>
+          <p:nvPr>
+            <p:ph type="sldNum" sz="quarter" idx="12"/>
+          </p:nvPr>
+        </p:nvSpPr>
+        <p:spPr/>
+        <p:txBody>
+          <a:bodyPr/>
+          <a:lstStyle/>
+          <a:p>
+            <a:fld id="{6C6AE60A-B69C-4790-82F7-3882EDF23186}" type="slidenum">
+              <a:rPr lang="de-DE" smtClean="0"/>
+              <a:pPr/>
+              <a:t>18</a:t>
+            </a:fld>
+            <a:endParaRPr lang="de-DE" dirty="0"/>
+          </a:p>
+        </p:txBody>
+      </p:sp>
+      <p:sp>
+        <p:nvSpPr>
+          <p:cNvPr id="8" name="Textfeld 7"/>
+          <p:cNvSpPr txBox="1"/>
+          <p:nvPr/>
+        </p:nvSpPr>
+        <p:spPr>
+          <a:xfrm>
+            <a:off x="467544" y="2132856"/>
+            <a:ext cx="7272808" cy="2585323"/>
+          </a:xfrm>
+          <a:prstGeom prst="rect">
+            <a:avLst/>
+          </a:prstGeom>
+          <a:noFill/>
+        </p:spPr>
+        <p:txBody>
+          <a:bodyPr wrap="square" rtlCol="0">
+            <a:spAutoFit/>
+          </a:bodyPr>
+          <a:lstStyle/>
+          <a:p>
+            <a:pPr>
+              <a:buFont typeface="Calibri" pitchFamily="34" charset="0"/>
+              <a:buChar char="⁺"/>
+            </a:pPr>
+            <a:r>
+              <a:rPr lang="de-DE" dirty="0" smtClean="0"/>
+              <a:t> Trennung von Oberflächendesign und Logik</a:t>
+            </a:r>
+          </a:p>
+          <a:p>
+            <a:pPr>
+              <a:buFont typeface="Calibri" pitchFamily="34" charset="0"/>
+              <a:buChar char="⁺"/>
+            </a:pPr>
+            <a:r>
+              <a:rPr lang="de-DE" dirty="0" smtClean="0"/>
+              <a:t> Gute </a:t>
+            </a:r>
+            <a:r>
+              <a:rPr lang="de-DE" dirty="0" err="1" smtClean="0"/>
+              <a:t>Testbarkeit</a:t>
+            </a:r>
+            <a:r>
+              <a:rPr lang="de-DE" dirty="0" smtClean="0"/>
+              <a:t> der UI-Logik</a:t>
+            </a:r>
+          </a:p>
+          <a:p>
+            <a:pPr>
+              <a:buFont typeface="Calibri" pitchFamily="34" charset="0"/>
+              <a:buChar char="⁺"/>
+            </a:pPr>
+            <a:r>
+              <a:rPr lang="de-DE" dirty="0" smtClean="0"/>
+              <a:t> </a:t>
+            </a:r>
+            <a:r>
+              <a:rPr lang="de-DE" dirty="0" err="1" smtClean="0"/>
+              <a:t>Modularität</a:t>
+            </a:r>
+            <a:endParaRPr lang="de-DE" dirty="0" smtClean="0"/>
+          </a:p>
+          <a:p>
+            <a:pPr>
+              <a:buFont typeface="Calibri" pitchFamily="34" charset="0"/>
+              <a:buChar char="⁺"/>
+            </a:pPr>
+            <a:r>
+              <a:rPr lang="de-DE" dirty="0" smtClean="0"/>
+              <a:t> XAML</a:t>
+            </a:r>
+          </a:p>
+          <a:p>
+            <a:pPr>
+              <a:buFont typeface="Calibri" pitchFamily="34" charset="0"/>
+              <a:buChar char="⁺"/>
+            </a:pPr>
+            <a:r>
+              <a:rPr lang="de-DE" dirty="0" smtClean="0"/>
+              <a:t> WPF</a:t>
+            </a:r>
+          </a:p>
+          <a:p>
+            <a:endParaRPr lang="de-DE" dirty="0" smtClean="0"/>
+          </a:p>
+          <a:p>
+            <a:pPr>
+              <a:buFont typeface="Symbol" pitchFamily="18" charset="2"/>
+              <a:buChar char="-"/>
+            </a:pPr>
+            <a:r>
+              <a:rPr lang="de-DE" dirty="0" smtClean="0"/>
+              <a:t>Overhead</a:t>
+            </a:r>
+          </a:p>
+          <a:p>
+            <a:pPr>
+              <a:buFont typeface="Symbol" pitchFamily="18" charset="2"/>
+              <a:buChar char="-"/>
+            </a:pPr>
+            <a:r>
+              <a:rPr lang="de-DE" dirty="0" smtClean="0"/>
+              <a:t> bei kleinen Anwendungen</a:t>
+            </a:r>
+          </a:p>
+          <a:p>
+            <a:pPr>
+              <a:buFont typeface="Symbol" pitchFamily="18" charset="2"/>
+              <a:buChar char="-"/>
+            </a:pPr>
+            <a:r>
+              <a:rPr lang="de-DE" dirty="0" smtClean="0"/>
+              <a:t> kein </a:t>
+            </a:r>
+            <a:r>
+              <a:rPr lang="de-DE" smtClean="0"/>
+              <a:t>Datenkontext möglich</a:t>
+            </a:r>
+            <a:endParaRPr lang="de-DE" dirty="0" smtClean="0"/>
+          </a:p>
+        </p:txBody>
+      </p:sp>
+    </p:spTree>
+    <p:extLst>
+      <p:ext uri="{BB962C8B-B14F-4D97-AF65-F5344CB8AC3E}">
+        <p14:creationId xmlns="" xmlns:p14="http://schemas.microsoft.com/office/powerpoint/2010/main" val="2164761318"/>
+      </p:ext>
+    </p:extLst>
+  </p:cSld>
+  <p:clrMapOvr>
+    <a:masterClrMapping/>
+  </p:clrMapOvr>
+  <p:timing>
+    <p:tnLst>
+      <p:par>
+        <p:cTn id="1" dur="indefinite" restart="never" nodeType="tmRoot"/>
+      </p:par>
+    </p:tnLst>
+  </p:timing>
+</p:sld>
+</file>
+
 <file path=ppt/slides/slide19.xml><?xml version="1.0" encoding="utf-8"?>
 <p:sld xmlns:a="http://schemas.openxmlformats.org/drawingml/2006/main" xmlns:r="http://schemas.openxmlformats.org/officeDocument/2006/relationships" xmlns:p="http://schemas.openxmlformats.org/presentationml/2006/main">
   <p:cSld>
@@ -5655,12 +5720,35 @@
           <a:p>
             <a:r>
               <a:rPr lang="de-DE" dirty="0" smtClean="0"/>
-              <a:t>Fazit</a:t>
+              <a:t>Literatur</a:t>
             </a:r>
             <a:endParaRPr lang="de-DE" dirty="0"/>
           </a:p>
         </p:txBody>
       </p:sp>
+      <p:pic>
+        <p:nvPicPr>
+          <p:cNvPr id="6" name="Inhaltsplatzhalter 5" descr="WPFHandbuch.jpg"/>
+          <p:cNvPicPr>
+            <a:picLocks noGrp="1" noChangeAspect="1"/>
+          </p:cNvPicPr>
+          <p:nvPr>
+            <p:ph idx="1"/>
+          </p:nvPr>
+        </p:nvPicPr>
+        <p:blipFill>
+          <a:blip r:embed="rId2" cstate="print"/>
+          <a:stretch>
+            <a:fillRect/>
+          </a:stretch>
+        </p:blipFill>
+        <p:spPr>
+          <a:xfrm>
+            <a:off x="827584" y="1556792"/>
+            <a:ext cx="1604888" cy="2088232"/>
+          </a:xfrm>
+        </p:spPr>
+      </p:pic>
       <p:sp>
         <p:nvSpPr>
           <p:cNvPr id="4" name="Datumsplatzhalter 3"/>
@@ -5711,14 +5799,14 @@
       </p:sp>
       <p:sp>
         <p:nvSpPr>
-          <p:cNvPr id="8" name="Textfeld 7"/>
+          <p:cNvPr id="7" name="Textfeld 6"/>
           <p:cNvSpPr txBox="1"/>
           <p:nvPr/>
         </p:nvSpPr>
         <p:spPr>
           <a:xfrm>
-            <a:off x="467544" y="2132856"/>
-            <a:ext cx="7272808" cy="2585323"/>
+            <a:off x="2987824" y="1844824"/>
+            <a:ext cx="4896544" cy="923330"/>
           </a:xfrm>
           <a:prstGeom prst="rect">
             <a:avLst/>
@@ -5731,114 +5819,108 @@
           </a:bodyPr>
           <a:lstStyle/>
           <a:p>
-            <a:pPr>
-              <a:buFont typeface="Calibri" pitchFamily="34" charset="0"/>
-              <a:buChar char="⁺"/>
-            </a:pPr>
-            <a:r>
-              <a:rPr lang="de-DE" dirty="0" smtClean="0"/>
-              <a:t> Trennung von Oberflächendesign und Logik</a:t>
-            </a:r>
-          </a:p>
-          <a:p>
-            <a:pPr>
-              <a:buFont typeface="Calibri" pitchFamily="34" charset="0"/>
-              <a:buChar char="⁺"/>
-            </a:pPr>
-            <a:r>
-              <a:rPr lang="de-DE" dirty="0" smtClean="0"/>
-              <a:t> Gute </a:t>
+            <a:r>
+              <a:rPr lang="de-DE" dirty="0" smtClean="0"/>
+              <a:t>Thomas Huber. Windows </a:t>
             </a:r>
             <a:r>
               <a:rPr lang="de-DE" dirty="0" err="1" smtClean="0"/>
-              <a:t>Testbarkeit</a:t>
-            </a:r>
-            <a:r>
-              <a:rPr lang="de-DE" dirty="0" smtClean="0"/>
-              <a:t> der UI-Logik</a:t>
-            </a:r>
-          </a:p>
-          <a:p>
-            <a:pPr>
-              <a:buFont typeface="Calibri" pitchFamily="34" charset="0"/>
-              <a:buChar char="⁺"/>
-            </a:pPr>
+              <a:t>Presentation</a:t>
+            </a:r>
             <a:r>
               <a:rPr lang="de-DE" dirty="0" smtClean="0"/>
               <a:t> </a:t>
             </a:r>
             <a:r>
               <a:rPr lang="de-DE" dirty="0" err="1" smtClean="0"/>
-              <a:t>Modularität</a:t>
+              <a:t>Foundation</a:t>
+            </a:r>
+            <a:r>
+              <a:rPr lang="de-DE" dirty="0" smtClean="0"/>
+              <a:t> 4.5 - Das umfassende Handbuch</a:t>
+            </a:r>
+          </a:p>
+          <a:p>
+            <a:r>
+              <a:rPr lang="de-DE" dirty="0" smtClean="0"/>
+              <a:t>Galileo Computing</a:t>
+            </a:r>
+            <a:endParaRPr lang="de-DE" dirty="0"/>
+          </a:p>
+        </p:txBody>
+      </p:sp>
+      <p:pic>
+        <p:nvPicPr>
+          <p:cNvPr id="9" name="Grafik 8" descr="Crashkurs.jpg"/>
+          <p:cNvPicPr>
+            <a:picLocks noChangeAspect="1"/>
+          </p:cNvPicPr>
+          <p:nvPr/>
+        </p:nvPicPr>
+        <p:blipFill>
+          <a:blip r:embed="rId3" cstate="print"/>
+          <a:stretch>
+            <a:fillRect/>
+          </a:stretch>
+        </p:blipFill>
+        <p:spPr>
+          <a:xfrm>
+            <a:off x="755576" y="3861048"/>
+            <a:ext cx="1794798" cy="2335336"/>
+          </a:xfrm>
+          <a:prstGeom prst="rect">
+            <a:avLst/>
+          </a:prstGeom>
+        </p:spPr>
+      </p:pic>
+      <p:sp>
+        <p:nvSpPr>
+          <p:cNvPr id="10" name="Textfeld 9"/>
+          <p:cNvSpPr txBox="1"/>
+          <p:nvPr/>
+        </p:nvSpPr>
+        <p:spPr>
+          <a:xfrm>
+            <a:off x="3059832" y="4077072"/>
+            <a:ext cx="4752528" cy="923330"/>
+          </a:xfrm>
+          <a:prstGeom prst="rect">
+            <a:avLst/>
+          </a:prstGeom>
+          <a:noFill/>
+        </p:spPr>
+        <p:txBody>
+          <a:bodyPr wrap="square" rtlCol="0">
+            <a:spAutoFit/>
+          </a:bodyPr>
+          <a:lstStyle/>
+          <a:p>
+            <a:r>
+              <a:rPr lang="de-DE" dirty="0" smtClean="0"/>
+              <a:t>Holger </a:t>
+            </a:r>
+            <a:r>
+              <a:rPr lang="de-DE" dirty="0" err="1" smtClean="0"/>
+              <a:t>Schwichtenberg</a:t>
             </a:r>
             <a:endParaRPr lang="de-DE" dirty="0" smtClean="0"/>
           </a:p>
           <a:p>
-            <a:pPr>
-              <a:buFont typeface="Calibri" pitchFamily="34" charset="0"/>
-              <a:buChar char="⁺"/>
-            </a:pPr>
-            <a:r>
-              <a:rPr lang="de-DE" dirty="0" smtClean="0"/>
-              <a:t> XAML</a:t>
-            </a:r>
-          </a:p>
-          <a:p>
-            <a:pPr>
-              <a:buFont typeface="Calibri" pitchFamily="34" charset="0"/>
-              <a:buChar char="⁺"/>
-            </a:pPr>
-            <a:r>
-              <a:rPr lang="de-DE" dirty="0" smtClean="0"/>
-              <a:t> WPF</a:t>
-            </a:r>
-          </a:p>
-          <a:p>
-            <a:endParaRPr lang="de-DE" dirty="0" smtClean="0"/>
-          </a:p>
-          <a:p>
-            <a:pPr>
-              <a:buFont typeface="Symbol" pitchFamily="18" charset="2"/>
-              <a:buChar char="-"/>
-            </a:pPr>
-            <a:r>
-              <a:rPr lang="de-DE" dirty="0" smtClean="0"/>
-              <a:t>Overhead</a:t>
-            </a:r>
-          </a:p>
-          <a:p>
-            <a:pPr>
-              <a:buFont typeface="Symbol" pitchFamily="18" charset="2"/>
-              <a:buChar char="-"/>
-            </a:pPr>
-            <a:r>
-              <a:rPr lang="de-DE" dirty="0" smtClean="0"/>
-              <a:t> bei kleinen Anwendungen</a:t>
-            </a:r>
-          </a:p>
-          <a:p>
-            <a:pPr>
-              <a:buFont typeface="Symbol" pitchFamily="18" charset="2"/>
-              <a:buChar char="-"/>
-            </a:pPr>
-            <a:r>
-              <a:rPr lang="de-DE" dirty="0" smtClean="0"/>
-              <a:t> kein </a:t>
-            </a:r>
-            <a:r>
-              <a:rPr lang="de-DE" smtClean="0"/>
-              <a:t>Datenkontext möglich</a:t>
-            </a:r>
-            <a:endParaRPr lang="de-DE" dirty="0" smtClean="0"/>
+            <a:r>
+              <a:rPr lang="de-DE" dirty="0" smtClean="0"/>
+              <a:t>Microsoft. NET 3.5  Crashkurs</a:t>
+            </a:r>
+          </a:p>
+          <a:p>
+            <a:r>
+              <a:rPr lang="de-DE" dirty="0" smtClean="0"/>
+              <a:t>Microsoft Press</a:t>
+            </a:r>
+            <a:endParaRPr lang="de-DE" dirty="0"/>
           </a:p>
         </p:txBody>
       </p:sp>
     </p:spTree>
-    <p:extLst>
-      <p:ext uri="{BB962C8B-B14F-4D97-AF65-F5344CB8AC3E}">
-        <p14:creationId xmlns="" xmlns:p14="http://schemas.microsoft.com/office/powerpoint/2010/main" val="2164761318"/>
-      </p:ext>
-    </p:extLst>
   </p:cSld>
   <p:clrMapOvr>
     <a:masterClrMapping/>
@@ -5887,7 +5969,7 @@
           <a:p>
             <a:r>
               <a:rPr lang="de-DE" dirty="0" smtClean="0"/>
-              <a:t>Gliederung</a:t>
+              <a:t>Ziel des Vortrags</a:t>
             </a:r>
             <a:endParaRPr lang="de-DE" dirty="0"/>
           </a:p>
@@ -5903,95 +5985,41 @@
             <p:ph idx="1"/>
           </p:nvPr>
         </p:nvSpPr>
-        <p:spPr>
-          <a:xfrm>
-            <a:off x="914400" y="1844824"/>
-            <a:ext cx="8229600" cy="4137323"/>
-          </a:xfrm>
-        </p:spPr>
-        <p:txBody>
-          <a:bodyPr>
-            <a:normAutofit fontScale="92500" lnSpcReduction="10000"/>
-          </a:bodyPr>
-          <a:lstStyle/>
-          <a:p>
-            <a:pPr marL="514350" indent="-514350">
-              <a:buFont typeface="+mj-lt"/>
-              <a:buAutoNum type="arabicPeriod"/>
-            </a:pPr>
-            <a:r>
-              <a:rPr lang="de-DE" dirty="0" smtClean="0"/>
-              <a:t>Ziel dieses Vortrags</a:t>
-            </a:r>
-          </a:p>
-          <a:p>
-            <a:pPr marL="514350" indent="-514350">
-              <a:buFont typeface="+mj-lt"/>
-              <a:buAutoNum type="arabicPeriod"/>
-            </a:pPr>
-            <a:r>
-              <a:rPr lang="de-DE" dirty="0" smtClean="0"/>
-              <a:t>Geschichte des MVVM</a:t>
-            </a:r>
-          </a:p>
-          <a:p>
-            <a:pPr marL="514350" indent="-514350">
-              <a:buFont typeface="+mj-lt"/>
-              <a:buAutoNum type="arabicPeriod"/>
-            </a:pPr>
-            <a:r>
-              <a:rPr lang="de-DE" dirty="0" smtClean="0"/>
-              <a:t>Ziele des MVVM</a:t>
-            </a:r>
-          </a:p>
-          <a:p>
-            <a:pPr marL="514350" indent="-514350">
-              <a:buFont typeface="+mj-lt"/>
-              <a:buAutoNum type="arabicPeriod"/>
-            </a:pPr>
-            <a:r>
-              <a:rPr lang="de-DE" dirty="0" smtClean="0"/>
-              <a:t>Die Schichten des MVVM</a:t>
-            </a:r>
-          </a:p>
-          <a:p>
-            <a:pPr marL="514350" indent="-514350">
-              <a:buFont typeface="+mj-lt"/>
-              <a:buAutoNum type="arabicPeriod"/>
-            </a:pPr>
-            <a:r>
-              <a:rPr lang="de-DE" dirty="0" smtClean="0"/>
-              <a:t>Problemstellung</a:t>
-            </a:r>
-          </a:p>
-          <a:p>
-            <a:pPr marL="514350" indent="-514350">
-              <a:buFont typeface="+mj-lt"/>
-              <a:buAutoNum type="arabicPeriod"/>
-            </a:pPr>
-            <a:r>
-              <a:rPr lang="de-DE" dirty="0" smtClean="0"/>
-              <a:t>Lösungsversuch</a:t>
-            </a:r>
-          </a:p>
-          <a:p>
-            <a:pPr marL="514350" indent="-514350">
-              <a:buFont typeface="+mj-lt"/>
-              <a:buAutoNum type="arabicPeriod"/>
-            </a:pPr>
-            <a:r>
-              <a:rPr lang="de-DE" dirty="0" smtClean="0"/>
-              <a:t>Fazit</a:t>
-            </a:r>
-          </a:p>
-          <a:p>
-            <a:pPr marL="514350" indent="-514350">
-              <a:buFont typeface="+mj-lt"/>
-              <a:buAutoNum type="arabicPeriod"/>
-            </a:pPr>
-            <a:r>
-              <a:rPr lang="de-DE" dirty="0" smtClean="0"/>
-              <a:t>Übung</a:t>
+        <p:spPr/>
+        <p:txBody>
+          <a:bodyPr/>
+          <a:lstStyle/>
+          <a:p>
+            <a:r>
+              <a:rPr lang="de-DE" dirty="0" smtClean="0"/>
+              <a:t>Kleine Einführung in MVVM</a:t>
+            </a:r>
+          </a:p>
+          <a:p>
+            <a:r>
+              <a:rPr lang="de-DE" dirty="0" smtClean="0"/>
+              <a:t>Vorstellung von WPF</a:t>
+            </a:r>
+          </a:p>
+          <a:p>
+            <a:r>
+              <a:rPr lang="de-DE" dirty="0" smtClean="0"/>
+              <a:t>Verständnis für das Prinzip hinter MVVM</a:t>
+            </a:r>
+          </a:p>
+          <a:p>
+            <a:endParaRPr lang="de-DE" dirty="0" smtClean="0"/>
+          </a:p>
+          <a:p>
+            <a:r>
+              <a:rPr lang="de-DE" dirty="0" smtClean="0"/>
+              <a:t>Keine Programmierstunde</a:t>
+            </a:r>
+          </a:p>
+          <a:p>
+            <a:r>
+              <a:rPr lang="de-DE" dirty="0" smtClean="0"/>
+              <a:t>Keine technischen Details</a:t>
             </a:r>
             <a:endParaRPr lang="de-DE" dirty="0"/>
           </a:p>
@@ -6079,52 +6107,6 @@
       </p:grpSpPr>
       <p:sp>
         <p:nvSpPr>
-          <p:cNvPr id="2" name="Titel 1"/>
-          <p:cNvSpPr>
-            <a:spLocks noGrp="1"/>
-          </p:cNvSpPr>
-          <p:nvPr>
-            <p:ph type="title"/>
-          </p:nvPr>
-        </p:nvSpPr>
-        <p:spPr/>
-        <p:txBody>
-          <a:bodyPr/>
-          <a:lstStyle/>
-          <a:p>
-            <a:r>
-              <a:rPr lang="de-DE" dirty="0" smtClean="0"/>
-              <a:t>Literatur</a:t>
-            </a:r>
-            <a:endParaRPr lang="de-DE" dirty="0"/>
-          </a:p>
-        </p:txBody>
-      </p:sp>
-      <p:pic>
-        <p:nvPicPr>
-          <p:cNvPr id="6" name="Inhaltsplatzhalter 5" descr="WPFHandbuch.jpg"/>
-          <p:cNvPicPr>
-            <a:picLocks noGrp="1" noChangeAspect="1"/>
-          </p:cNvPicPr>
-          <p:nvPr>
-            <p:ph idx="1"/>
-          </p:nvPr>
-        </p:nvPicPr>
-        <p:blipFill>
-          <a:blip r:embed="rId2" cstate="print"/>
-          <a:stretch>
-            <a:fillRect/>
-          </a:stretch>
-        </p:blipFill>
-        <p:spPr>
-          <a:xfrm>
-            <a:off x="827584" y="1556792"/>
-            <a:ext cx="1604888" cy="2088232"/>
-          </a:xfrm>
-        </p:spPr>
-      </p:pic>
-      <p:sp>
-        <p:nvSpPr>
           <p:cNvPr id="4" name="Datumsplatzhalter 3"/>
           <p:cNvSpPr>
             <a:spLocks noGrp="1"/>
@@ -6166,202 +6148,6 @@
               <a:rPr lang="de-DE" smtClean="0"/>
               <a:pPr/>
               <a:t>20</a:t>
-            </a:fld>
-            <a:endParaRPr lang="de-DE" dirty="0"/>
-          </a:p>
-        </p:txBody>
-      </p:sp>
-      <p:sp>
-        <p:nvSpPr>
-          <p:cNvPr id="7" name="Textfeld 6"/>
-          <p:cNvSpPr txBox="1"/>
-          <p:nvPr/>
-        </p:nvSpPr>
-        <p:spPr>
-          <a:xfrm>
-            <a:off x="2987824" y="1844824"/>
-            <a:ext cx="4896544" cy="923330"/>
-          </a:xfrm>
-          <a:prstGeom prst="rect">
-            <a:avLst/>
-          </a:prstGeom>
-          <a:noFill/>
-        </p:spPr>
-        <p:txBody>
-          <a:bodyPr wrap="square" rtlCol="0">
-            <a:spAutoFit/>
-          </a:bodyPr>
-          <a:lstStyle/>
-          <a:p>
-            <a:r>
-              <a:rPr lang="de-DE" dirty="0" smtClean="0"/>
-              <a:t>Thomas Huber. Windows </a:t>
-            </a:r>
-            <a:r>
-              <a:rPr lang="de-DE" dirty="0" err="1" smtClean="0"/>
-              <a:t>Presentation</a:t>
-            </a:r>
-            <a:r>
-              <a:rPr lang="de-DE" dirty="0" smtClean="0"/>
-              <a:t> </a:t>
-            </a:r>
-            <a:r>
-              <a:rPr lang="de-DE" dirty="0" err="1" smtClean="0"/>
-              <a:t>Foundation</a:t>
-            </a:r>
-            <a:r>
-              <a:rPr lang="de-DE" dirty="0" smtClean="0"/>
-              <a:t> 4.5 - Das umfassende Handbuch</a:t>
-            </a:r>
-          </a:p>
-          <a:p>
-            <a:r>
-              <a:rPr lang="de-DE" dirty="0" smtClean="0"/>
-              <a:t>Galileo Computing</a:t>
-            </a:r>
-            <a:endParaRPr lang="de-DE" dirty="0"/>
-          </a:p>
-        </p:txBody>
-      </p:sp>
-      <p:pic>
-        <p:nvPicPr>
-          <p:cNvPr id="9" name="Grafik 8" descr="Crashkurs.jpg"/>
-          <p:cNvPicPr>
-            <a:picLocks noChangeAspect="1"/>
-          </p:cNvPicPr>
-          <p:nvPr/>
-        </p:nvPicPr>
-        <p:blipFill>
-          <a:blip r:embed="rId3" cstate="print"/>
-          <a:stretch>
-            <a:fillRect/>
-          </a:stretch>
-        </p:blipFill>
-        <p:spPr>
-          <a:xfrm>
-            <a:off x="755576" y="3861048"/>
-            <a:ext cx="1794798" cy="2335336"/>
-          </a:xfrm>
-          <a:prstGeom prst="rect">
-            <a:avLst/>
-          </a:prstGeom>
-        </p:spPr>
-      </p:pic>
-      <p:sp>
-        <p:nvSpPr>
-          <p:cNvPr id="10" name="Textfeld 9"/>
-          <p:cNvSpPr txBox="1"/>
-          <p:nvPr/>
-        </p:nvSpPr>
-        <p:spPr>
-          <a:xfrm>
-            <a:off x="3059832" y="4077072"/>
-            <a:ext cx="4752528" cy="923330"/>
-          </a:xfrm>
-          <a:prstGeom prst="rect">
-            <a:avLst/>
-          </a:prstGeom>
-          <a:noFill/>
-        </p:spPr>
-        <p:txBody>
-          <a:bodyPr wrap="square" rtlCol="0">
-            <a:spAutoFit/>
-          </a:bodyPr>
-          <a:lstStyle/>
-          <a:p>
-            <a:r>
-              <a:rPr lang="de-DE" dirty="0" smtClean="0"/>
-              <a:t>Holger </a:t>
-            </a:r>
-            <a:r>
-              <a:rPr lang="de-DE" dirty="0" err="1" smtClean="0"/>
-              <a:t>Schwichtenberg</a:t>
-            </a:r>
-            <a:endParaRPr lang="de-DE" dirty="0" smtClean="0"/>
-          </a:p>
-          <a:p>
-            <a:r>
-              <a:rPr lang="de-DE" dirty="0" smtClean="0"/>
-              <a:t>Microsoft. NET 3.5  Crashkurs</a:t>
-            </a:r>
-          </a:p>
-          <a:p>
-            <a:r>
-              <a:rPr lang="de-DE" dirty="0" smtClean="0"/>
-              <a:t>Microsoft Press</a:t>
-            </a:r>
-            <a:endParaRPr lang="de-DE" dirty="0"/>
-          </a:p>
-        </p:txBody>
-      </p:sp>
-    </p:spTree>
-  </p:cSld>
-  <p:clrMapOvr>
-    <a:masterClrMapping/>
-  </p:clrMapOvr>
-</p:sld>
-</file>
-
-<file path=ppt/slides/slide21.xml><?xml version="1.0" encoding="utf-8"?>
-<p:sld xmlns:a="http://schemas.openxmlformats.org/drawingml/2006/main" xmlns:r="http://schemas.openxmlformats.org/officeDocument/2006/relationships" xmlns:p="http://schemas.openxmlformats.org/presentationml/2006/main">
-  <p:cSld>
-    <p:spTree>
-      <p:nvGrpSpPr>
-        <p:cNvPr id="1" name=""/>
-        <p:cNvGrpSpPr/>
-        <p:nvPr/>
-      </p:nvGrpSpPr>
-      <p:grpSpPr>
-        <a:xfrm>
-          <a:off x="0" y="0"/>
-          <a:ext cx="0" cy="0"/>
-          <a:chOff x="0" y="0"/>
-          <a:chExt cx="0" cy="0"/>
-        </a:xfrm>
-      </p:grpSpPr>
-      <p:sp>
-        <p:nvSpPr>
-          <p:cNvPr id="4" name="Datumsplatzhalter 3"/>
-          <p:cNvSpPr>
-            <a:spLocks noGrp="1"/>
-          </p:cNvSpPr>
-          <p:nvPr>
-            <p:ph type="dt" sz="half" idx="10"/>
-          </p:nvPr>
-        </p:nvSpPr>
-        <p:spPr/>
-        <p:txBody>
-          <a:bodyPr/>
-          <a:lstStyle/>
-          <a:p>
-            <a:fld id="{93F45587-BEEE-4D54-90A9-A458946DA07D}" type="datetime1">
-              <a:rPr lang="de-DE" smtClean="0"/>
-              <a:pPr/>
-              <a:t>22.05.2013</a:t>
-            </a:fld>
-            <a:endParaRPr lang="de-DE" dirty="0"/>
-          </a:p>
-        </p:txBody>
-      </p:sp>
-      <p:sp>
-        <p:nvSpPr>
-          <p:cNvPr id="5" name="Foliennummernplatzhalter 4"/>
-          <p:cNvSpPr>
-            <a:spLocks noGrp="1"/>
-          </p:cNvSpPr>
-          <p:nvPr>
-            <p:ph type="sldNum" sz="quarter" idx="12"/>
-          </p:nvPr>
-        </p:nvSpPr>
-        <p:spPr/>
-        <p:txBody>
-          <a:bodyPr/>
-          <a:lstStyle/>
-          <a:p>
-            <a:fld id="{6C6AE60A-B69C-4790-82F7-3882EDF23186}" type="slidenum">
-              <a:rPr lang="de-DE" smtClean="0"/>
-              <a:pPr/>
-              <a:t>21</a:t>
             </a:fld>
             <a:endParaRPr lang="de-DE" dirty="0"/>
           </a:p>
@@ -6470,7 +6256,7 @@
           <a:p>
             <a:r>
               <a:rPr lang="de-DE" dirty="0" smtClean="0"/>
-              <a:t>Ziel des Vortrags</a:t>
+              <a:t>Gliederung</a:t>
             </a:r>
             <a:endParaRPr lang="de-DE" dirty="0"/>
           </a:p>
@@ -6486,41 +6272,89 @@
             <p:ph idx="1"/>
           </p:nvPr>
         </p:nvSpPr>
-        <p:spPr/>
-        <p:txBody>
-          <a:bodyPr/>
-          <a:lstStyle/>
-          <a:p>
-            <a:r>
-              <a:rPr lang="de-DE" dirty="0" smtClean="0"/>
-              <a:t>Kleine Einführung in MVVM</a:t>
-            </a:r>
-          </a:p>
-          <a:p>
-            <a:r>
-              <a:rPr lang="de-DE" dirty="0" smtClean="0"/>
-              <a:t>Vorstellung von WPF</a:t>
-            </a:r>
-          </a:p>
-          <a:p>
-            <a:r>
-              <a:rPr lang="de-DE" dirty="0" smtClean="0"/>
-              <a:t>Verständnis für das Prinzip hinter MVVM</a:t>
-            </a:r>
-          </a:p>
-          <a:p>
-            <a:endParaRPr lang="de-DE" dirty="0" smtClean="0"/>
-          </a:p>
-          <a:p>
-            <a:r>
-              <a:rPr lang="de-DE" dirty="0" smtClean="0"/>
-              <a:t>Keine Programmierstunde</a:t>
-            </a:r>
-          </a:p>
-          <a:p>
-            <a:r>
-              <a:rPr lang="de-DE" dirty="0" smtClean="0"/>
-              <a:t>Keine technischen Details</a:t>
+        <p:spPr>
+          <a:xfrm>
+            <a:off x="914400" y="1844824"/>
+            <a:ext cx="8229600" cy="4137323"/>
+          </a:xfrm>
+        </p:spPr>
+        <p:txBody>
+          <a:bodyPr>
+            <a:normAutofit/>
+          </a:bodyPr>
+          <a:lstStyle/>
+          <a:p>
+            <a:pPr marL="514350" indent="-514350">
+              <a:buFont typeface="+mj-lt"/>
+              <a:buAutoNum type="arabicPeriod"/>
+            </a:pPr>
+            <a:r>
+              <a:rPr lang="de-DE" dirty="0" smtClean="0"/>
+              <a:t>Geschichte </a:t>
+            </a:r>
+            <a:r>
+              <a:rPr lang="de-DE" dirty="0" smtClean="0"/>
+              <a:t>des MVVM</a:t>
+            </a:r>
+          </a:p>
+          <a:p>
+            <a:pPr marL="514350" indent="-514350">
+              <a:buFont typeface="+mj-lt"/>
+              <a:buAutoNum type="arabicPeriod"/>
+            </a:pPr>
+            <a:r>
+              <a:rPr lang="de-DE" dirty="0" smtClean="0"/>
+              <a:t>Ziele des MVVM</a:t>
+            </a:r>
+          </a:p>
+          <a:p>
+            <a:pPr marL="514350" indent="-514350">
+              <a:buFont typeface="+mj-lt"/>
+              <a:buAutoNum type="arabicPeriod"/>
+            </a:pPr>
+            <a:r>
+              <a:rPr lang="de-DE" dirty="0" smtClean="0"/>
+              <a:t>Die Schichten des MVVM</a:t>
+            </a:r>
+          </a:p>
+          <a:p>
+            <a:pPr marL="514350" indent="-514350">
+              <a:buFont typeface="+mj-lt"/>
+              <a:buAutoNum type="arabicPeriod"/>
+            </a:pPr>
+            <a:r>
+              <a:rPr lang="de-DE" dirty="0" smtClean="0"/>
+              <a:t>Problemstellung</a:t>
+            </a:r>
+          </a:p>
+          <a:p>
+            <a:pPr marL="514350" indent="-514350">
+              <a:buFont typeface="+mj-lt"/>
+              <a:buAutoNum type="arabicPeriod"/>
+            </a:pPr>
+            <a:r>
+              <a:rPr lang="de-DE" dirty="0" smtClean="0"/>
+              <a:t>Lösungsversuch</a:t>
+            </a:r>
+          </a:p>
+          <a:p>
+            <a:pPr marL="514350" indent="-514350">
+              <a:buFont typeface="+mj-lt"/>
+              <a:buAutoNum type="arabicPeriod"/>
+            </a:pPr>
+            <a:r>
+              <a:rPr lang="de-DE" dirty="0" smtClean="0"/>
+              <a:t>Fazit</a:t>
+            </a:r>
+          </a:p>
+          <a:p>
+            <a:pPr marL="514350" indent="-514350">
+              <a:buFont typeface="+mj-lt"/>
+              <a:buAutoNum type="arabicPeriod"/>
+            </a:pPr>
+            <a:r>
+              <a:rPr lang="de-DE" dirty="0" smtClean="0"/>
+              <a:t>Übung</a:t>
             </a:r>
             <a:endParaRPr lang="de-DE" dirty="0"/>
           </a:p>
@@ -6922,25 +6756,29 @@
           </a:p>
         </p:txBody>
       </p:sp>
-      <p:sp>
-        <p:nvSpPr>
-          <p:cNvPr id="3" name="Inhaltsplatzhalter 2"/>
-          <p:cNvSpPr>
-            <a:spLocks noGrp="1"/>
-          </p:cNvSpPr>
+      <p:pic>
+        <p:nvPicPr>
+          <p:cNvPr id="7" name="Inhaltsplatzhalter 6" descr="mvvmschema.png"/>
+          <p:cNvPicPr>
+            <a:picLocks noGrp="1" noChangeAspect="1"/>
+          </p:cNvPicPr>
           <p:nvPr>
             <p:ph idx="1"/>
           </p:nvPr>
-        </p:nvSpPr>
-        <p:spPr/>
-        <p:txBody>
-          <a:bodyPr/>
-          <a:lstStyle/>
-          <a:p>
-            <a:endParaRPr lang="de-DE" dirty="0"/>
-          </a:p>
-        </p:txBody>
-      </p:sp>
+        </p:nvPicPr>
+        <p:blipFill>
+          <a:blip r:embed="rId2" cstate="print"/>
+          <a:stretch>
+            <a:fillRect/>
+          </a:stretch>
+        </p:blipFill>
+        <p:spPr>
+          <a:xfrm>
+            <a:off x="2843808" y="1606915"/>
+            <a:ext cx="3278219" cy="4374786"/>
+          </a:xfrm>
+        </p:spPr>
+      </p:pic>
       <p:sp>
         <p:nvSpPr>
           <p:cNvPr id="4" name="Datumsplatzhalter 3"/>
@@ -6989,32 +6827,6 @@
           </a:p>
         </p:txBody>
       </p:sp>
-      <p:pic>
-        <p:nvPicPr>
-          <p:cNvPr id="1026" name="Picture 2" descr="C:\Users\ich\Documents\GitHub\Design-Pattern-MVC\MVVM\MVVM.png"/>
-          <p:cNvPicPr>
-            <a:picLocks noChangeAspect="1" noChangeArrowheads="1"/>
-          </p:cNvPicPr>
-          <p:nvPr/>
-        </p:nvPicPr>
-        <p:blipFill>
-          <a:blip r:embed="rId2" cstate="print"/>
-          <a:srcRect/>
-          <a:stretch>
-            <a:fillRect/>
-          </a:stretch>
-        </p:blipFill>
-        <p:spPr bwMode="auto">
-          <a:xfrm>
-            <a:off x="2915816" y="1888517"/>
-            <a:ext cx="2934990" cy="3916747"/>
-          </a:xfrm>
-          <a:prstGeom prst="rect">
-            <a:avLst/>
-          </a:prstGeom>
-          <a:noFill/>
-        </p:spPr>
-      </p:pic>
     </p:spTree>
     <p:extLst>
       <p:ext uri="{BB962C8B-B14F-4D97-AF65-F5344CB8AC3E}">
@@ -7123,32 +6935,6 @@
           </a:p>
         </p:txBody>
       </p:sp>
-      <p:pic>
-        <p:nvPicPr>
-          <p:cNvPr id="6" name="Picture 2" descr="C:\Users\ich\Documents\GitHub\Design-Pattern-MVC\MVVM\MVVM.png"/>
-          <p:cNvPicPr>
-            <a:picLocks noChangeAspect="1" noChangeArrowheads="1"/>
-          </p:cNvPicPr>
-          <p:nvPr/>
-        </p:nvPicPr>
-        <p:blipFill>
-          <a:blip r:embed="rId2" cstate="print"/>
-          <a:srcRect/>
-          <a:stretch>
-            <a:fillRect/>
-          </a:stretch>
-        </p:blipFill>
-        <p:spPr bwMode="auto">
-          <a:xfrm>
-            <a:off x="5724128" y="1772816"/>
-            <a:ext cx="2934990" cy="3916747"/>
-          </a:xfrm>
-          <a:prstGeom prst="rect">
-            <a:avLst/>
-          </a:prstGeom>
-          <a:noFill/>
-        </p:spPr>
-      </p:pic>
       <p:sp>
         <p:nvSpPr>
           <p:cNvPr id="7" name="Textfeld 6"/>
@@ -7176,12 +6962,12 @@
               <a:t>View ist wie im MVC und MVP für Bereitstellung des </a:t>
             </a:r>
             <a:r>
-              <a:rPr lang="de-DE" dirty="0" err="1" smtClean="0"/>
-              <a:t>Benutzeroberäche</a:t>
-            </a:r>
-            <a:r>
-              <a:rPr lang="de-DE" dirty="0" smtClean="0"/>
-              <a:t> zuständig</a:t>
+              <a:rPr lang="de-DE" dirty="0" smtClean="0"/>
+              <a:t>Benutzeroberfläche </a:t>
+            </a:r>
+            <a:r>
+              <a:rPr lang="de-DE" dirty="0" smtClean="0"/>
+              <a:t>zuständig</a:t>
             </a:r>
           </a:p>
           <a:p>
@@ -7204,6 +6990,29 @@
           </a:p>
         </p:txBody>
       </p:sp>
+      <p:pic>
+        <p:nvPicPr>
+          <p:cNvPr id="8" name="Inhaltsplatzhalter 6" descr="mvvmschema.png"/>
+          <p:cNvPicPr>
+            <a:picLocks noGrp="1" noChangeAspect="1"/>
+          </p:cNvPicPr>
+          <p:nvPr>
+            <p:ph idx="1"/>
+          </p:nvPr>
+        </p:nvPicPr>
+        <p:blipFill>
+          <a:blip r:embed="rId2" cstate="print"/>
+          <a:stretch>
+            <a:fillRect/>
+          </a:stretch>
+        </p:blipFill>
+        <p:spPr>
+          <a:xfrm>
+            <a:off x="5472006" y="1700808"/>
+            <a:ext cx="3170301" cy="4230770"/>
+          </a:xfrm>
+        </p:spPr>
+      </p:pic>
     </p:spTree>
     <p:extLst>
       <p:ext uri="{BB962C8B-B14F-4D97-AF65-F5344CB8AC3E}">
@@ -7312,32 +7121,6 @@
           </a:p>
         </p:txBody>
       </p:sp>
-      <p:pic>
-        <p:nvPicPr>
-          <p:cNvPr id="6" name="Picture 2" descr="C:\Users\ich\Documents\GitHub\Design-Pattern-MVC\MVVM\MVVM.png"/>
-          <p:cNvPicPr>
-            <a:picLocks noChangeAspect="1" noChangeArrowheads="1"/>
-          </p:cNvPicPr>
-          <p:nvPr/>
-        </p:nvPicPr>
-        <p:blipFill>
-          <a:blip r:embed="rId2" cstate="print"/>
-          <a:srcRect/>
-          <a:stretch>
-            <a:fillRect/>
-          </a:stretch>
-        </p:blipFill>
-        <p:spPr bwMode="auto">
-          <a:xfrm>
-            <a:off x="5724128" y="1772816"/>
-            <a:ext cx="2934990" cy="3916747"/>
-          </a:xfrm>
-          <a:prstGeom prst="rect">
-            <a:avLst/>
-          </a:prstGeom>
-          <a:noFill/>
-        </p:spPr>
-      </p:pic>
       <p:sp>
         <p:nvSpPr>
           <p:cNvPr id="8" name="Textfeld 7"/>
@@ -7399,6 +7182,49 @@
           </a:p>
         </p:txBody>
       </p:sp>
+      <p:sp>
+        <p:nvSpPr>
+          <p:cNvPr id="9" name="Inhaltsplatzhalter 8"/>
+          <p:cNvSpPr>
+            <a:spLocks noGrp="1"/>
+          </p:cNvSpPr>
+          <p:nvPr>
+            <p:ph idx="1"/>
+          </p:nvPr>
+        </p:nvSpPr>
+        <p:spPr/>
+        <p:txBody>
+          <a:bodyPr/>
+          <a:lstStyle/>
+          <a:p>
+            <a:endParaRPr lang="de-DE"/>
+          </a:p>
+        </p:txBody>
+      </p:sp>
+      <p:pic>
+        <p:nvPicPr>
+          <p:cNvPr id="10" name="Inhaltsplatzhalter 6" descr="mvvmschema.png"/>
+          <p:cNvPicPr>
+            <a:picLocks noChangeAspect="1"/>
+          </p:cNvPicPr>
+          <p:nvPr/>
+        </p:nvPicPr>
+        <p:blipFill>
+          <a:blip r:embed="rId2" cstate="print"/>
+          <a:stretch>
+            <a:fillRect/>
+          </a:stretch>
+        </p:blipFill>
+        <p:spPr>
+          <a:xfrm>
+            <a:off x="5472006" y="1700808"/>
+            <a:ext cx="3170301" cy="4230770"/>
+          </a:xfrm>
+          <a:prstGeom prst="rect">
+            <a:avLst/>
+          </a:prstGeom>
+        </p:spPr>
+      </p:pic>
     </p:spTree>
     <p:extLst>
       <p:ext uri="{BB962C8B-B14F-4D97-AF65-F5344CB8AC3E}">
@@ -7507,32 +7333,6 @@
           </a:p>
         </p:txBody>
       </p:sp>
-      <p:pic>
-        <p:nvPicPr>
-          <p:cNvPr id="6" name="Picture 2" descr="C:\Users\ich\Documents\GitHub\Design-Pattern-MVC\MVVM\MVVM.png"/>
-          <p:cNvPicPr>
-            <a:picLocks noChangeAspect="1" noChangeArrowheads="1"/>
-          </p:cNvPicPr>
-          <p:nvPr/>
-        </p:nvPicPr>
-        <p:blipFill>
-          <a:blip r:embed="rId2" cstate="print"/>
-          <a:srcRect/>
-          <a:stretch>
-            <a:fillRect/>
-          </a:stretch>
-        </p:blipFill>
-        <p:spPr bwMode="auto">
-          <a:xfrm>
-            <a:off x="5724128" y="1772816"/>
-            <a:ext cx="2934990" cy="3916747"/>
-          </a:xfrm>
-          <a:prstGeom prst="rect">
-            <a:avLst/>
-          </a:prstGeom>
-          <a:noFill/>
-        </p:spPr>
-      </p:pic>
       <p:sp>
         <p:nvSpPr>
           <p:cNvPr id="8" name="Textfeld 7"/>
@@ -7589,6 +7389,49 @@
           </a:p>
         </p:txBody>
       </p:sp>
+      <p:sp>
+        <p:nvSpPr>
+          <p:cNvPr id="9" name="Inhaltsplatzhalter 8"/>
+          <p:cNvSpPr>
+            <a:spLocks noGrp="1"/>
+          </p:cNvSpPr>
+          <p:nvPr>
+            <p:ph idx="1"/>
+          </p:nvPr>
+        </p:nvSpPr>
+        <p:spPr/>
+        <p:txBody>
+          <a:bodyPr/>
+          <a:lstStyle/>
+          <a:p>
+            <a:endParaRPr lang="de-DE"/>
+          </a:p>
+        </p:txBody>
+      </p:sp>
+      <p:pic>
+        <p:nvPicPr>
+          <p:cNvPr id="10" name="Inhaltsplatzhalter 6" descr="mvvmschema.png"/>
+          <p:cNvPicPr>
+            <a:picLocks noChangeAspect="1"/>
+          </p:cNvPicPr>
+          <p:nvPr/>
+        </p:nvPicPr>
+        <p:blipFill>
+          <a:blip r:embed="rId2" cstate="print"/>
+          <a:stretch>
+            <a:fillRect/>
+          </a:stretch>
+        </p:blipFill>
+        <p:spPr>
+          <a:xfrm>
+            <a:off x="5472006" y="1700808"/>
+            <a:ext cx="3170301" cy="4230770"/>
+          </a:xfrm>
+          <a:prstGeom prst="rect">
+            <a:avLst/>
+          </a:prstGeom>
+        </p:spPr>
+      </p:pic>
     </p:spTree>
     <p:extLst>
       <p:ext uri="{BB962C8B-B14F-4D97-AF65-F5344CB8AC3E}">
